--- a/Geomagnetic_Presentation_Beans.pptx
+++ b/Geomagnetic_Presentation_Beans.pptx
@@ -9,8 +9,8 @@
     <p:sldId id="257" r:id="rId3"/>
     <p:sldId id="258" r:id="rId4"/>
     <p:sldId id="264" r:id="rId5"/>
-    <p:sldId id="259" r:id="rId6"/>
-    <p:sldId id="262" r:id="rId7"/>
+    <p:sldId id="262" r:id="rId6"/>
+    <p:sldId id="259" r:id="rId7"/>
     <p:sldId id="267" r:id="rId8"/>
     <p:sldId id="260" r:id="rId9"/>
     <p:sldId id="269" r:id="rId10"/>
@@ -5542,7 +5542,7 @@
           <a:p>
             <a:r>
               <a:rPr lang="en-CA" dirty="0"/>
-              <a:t>Interface </a:t>
+              <a:t>Interface concept </a:t>
             </a:r>
           </a:p>
         </p:txBody>
@@ -5991,6 +5991,47 @@
                 </a:solidFill>
               </a:rPr>
               <a:t>We can now attempt to answer any questions you might have.</a:t>
+            </a:r>
+          </a:p>
+          <a:p>
+            <a:endParaRPr lang="en-CA" dirty="0">
+              <a:solidFill>
+                <a:schemeClr val="tx1"/>
+              </a:solidFill>
+            </a:endParaRPr>
+          </a:p>
+          <a:p>
+            <a:r>
+              <a:rPr lang="en-CA" dirty="0" err="1">
+                <a:solidFill>
+                  <a:schemeClr val="tx1"/>
+                </a:solidFill>
+              </a:rPr>
+              <a:t>Github</a:t>
+            </a:r>
+            <a:r>
+              <a:rPr lang="en-CA" dirty="0">
+                <a:solidFill>
+                  <a:schemeClr val="tx1"/>
+                </a:solidFill>
+              </a:rPr>
+              <a:t>: github.com/</a:t>
+            </a:r>
+            <a:r>
+              <a:rPr lang="en-CA" dirty="0" err="1">
+                <a:solidFill>
+                  <a:schemeClr val="tx1"/>
+                </a:solidFill>
+              </a:rPr>
+              <a:t>mastwood</a:t>
+            </a:r>
+            <a:r>
+              <a:rPr lang="en-CA" dirty="0">
+                <a:solidFill>
+                  <a:schemeClr val="tx1"/>
+                </a:solidFill>
+              </a:rPr>
+              <a:t>/spaceapps-2019</a:t>
             </a:r>
           </a:p>
         </p:txBody>
@@ -6314,7 +6355,7 @@
           <a:p>
             <a:pPr algn="r"/>
             <a:r>
-              <a:rPr lang="en-CA" sz="3600"/>
+              <a:rPr lang="en-CA" sz="3600" dirty="0"/>
               <a:t>About Us </a:t>
             </a:r>
           </a:p>
@@ -6408,21 +6449,8 @@
                   <a:schemeClr val="tx1"/>
                 </a:solidFill>
               </a:rPr>
-              <a:t>We are a group of Waterloo students who saw an opportunity to use the knowledge we’ve accrued through our studies in tandem with existing professional techniques to modernize and advance the management and integration of geomagnetic data. We set out to create a system that would isolate erroneous data consistently and accurately; and present it cogently. The foundation of our code is based on the “Hilbert Huang transform” which will be </a:t>
-            </a:r>
-            <a:r>
-              <a:rPr lang="en-CA" dirty="0">
-                <a:solidFill>
-                  <a:schemeClr val="tx1"/>
-                </a:solidFill>
-              </a:rPr>
-              <a:t>elucidated upon later in the presentation.</a:t>
-            </a:r>
-            <a:endParaRPr lang="en-CA" sz="2000" dirty="0">
-              <a:solidFill>
-                <a:schemeClr val="tx1"/>
-              </a:solidFill>
-            </a:endParaRPr>
+              <a:t>We are a group of Waterloo students who saw an opportunity to use the knowledge we’ve accrued through our studies in tandem with existing professional techniques to modernize and advance the management and integration of geomagnetic data. We set out to create a system that would isolate erroneous data consistently and accurately; and present it cogently. The foundation of our code is based on the “Hilbert Huang transform” along with other signal processing techniques.</a:t>
+            </a:r>
           </a:p>
         </p:txBody>
       </p:sp>
@@ -6594,42 +6622,6 @@
           </a:p>
         </p:txBody>
       </p:sp>
-      <p:sp>
-        <p:nvSpPr>
-          <p:cNvPr id="3" name="Subtitle 2">
-            <a:extLst>
-              <a:ext uri="{FF2B5EF4-FFF2-40B4-BE49-F238E27FC236}">
-                <a16:creationId xmlns:a16="http://schemas.microsoft.com/office/drawing/2014/main" id="{62C9B47C-F1CC-4EBE-85DA-48997719F26E}"/>
-              </a:ext>
-            </a:extLst>
-          </p:cNvPr>
-          <p:cNvSpPr>
-            <a:spLocks noGrp="1"/>
-          </p:cNvSpPr>
-          <p:nvPr>
-            <p:ph type="subTitle" idx="1"/>
-          </p:nvPr>
-        </p:nvSpPr>
-        <p:spPr/>
-        <p:txBody>
-          <a:bodyPr/>
-          <a:lstStyle/>
-          <a:p>
-            <a:pPr marL="342900" indent="-342900">
-              <a:buFont typeface="Arial" panose="020B0604020202020204" pitchFamily="34" charset="0"/>
-              <a:buChar char="•"/>
-            </a:pPr>
-            <a:r>
-              <a:rPr lang="en-CA" dirty="0">
-                <a:solidFill>
-                  <a:schemeClr val="tx1"/>
-                </a:solidFill>
-              </a:rPr>
-              <a:t>Find outlying sets of data by comparing to each location.</a:t>
-            </a:r>
-          </a:p>
-        </p:txBody>
-      </p:sp>
     </p:spTree>
     <p:extLst>
       <p:ext uri="{BB962C8B-B14F-4D97-AF65-F5344CB8AC3E}">
@@ -6665,7 +6657,7 @@
           <p:cNvPr id="2" name="Title 1">
             <a:extLst>
               <a:ext uri="{FF2B5EF4-FFF2-40B4-BE49-F238E27FC236}">
-                <a16:creationId xmlns:a16="http://schemas.microsoft.com/office/drawing/2014/main" id="{C2DDD9DF-7E58-49C0-AB15-21AF4761772C}"/>
+                <a16:creationId xmlns:a16="http://schemas.microsoft.com/office/drawing/2014/main" id="{71566E41-CA9D-4BD5-A115-B31AAABB4FEE}"/>
               </a:ext>
             </a:extLst>
           </p:cNvPr>
@@ -6683,7 +6675,15 @@
           <a:p>
             <a:r>
               <a:rPr lang="en-CA" dirty="0"/>
-              <a:t>Outlier detection algorithm </a:t>
+              <a:t>Hilbert-</a:t>
+            </a:r>
+            <a:r>
+              <a:rPr lang="en-CA" dirty="0" err="1"/>
+              <a:t>huang</a:t>
+            </a:r>
+            <a:r>
+              <a:rPr lang="en-CA" dirty="0"/>
+              <a:t> transform</a:t>
             </a:r>
           </a:p>
         </p:txBody>
@@ -6693,7 +6693,7 @@
           <p:cNvPr id="3" name="Content Placeholder 2">
             <a:extLst>
               <a:ext uri="{FF2B5EF4-FFF2-40B4-BE49-F238E27FC236}">
-                <a16:creationId xmlns:a16="http://schemas.microsoft.com/office/drawing/2014/main" id="{047210DD-D07D-4C7E-8071-3EBB89126E81}"/>
+                <a16:creationId xmlns:a16="http://schemas.microsoft.com/office/drawing/2014/main" id="{A07A25D5-23AC-400D-A010-9B9A255ABC03}"/>
               </a:ext>
             </a:extLst>
           </p:cNvPr>
@@ -6707,43 +6707,53 @@
         <p:spPr/>
         <p:txBody>
           <a:bodyPr>
-            <a:normAutofit fontScale="92500"/>
+            <a:normAutofit fontScale="85000" lnSpcReduction="10000"/>
           </a:bodyPr>
           <a:lstStyle/>
           <a:p>
-            <a:pPr marL="0" indent="0">
-              <a:buNone/>
-            </a:pPr>
             <a:r>
               <a:rPr lang="en-CA" dirty="0">
                 <a:solidFill>
                   <a:schemeClr val="tx1"/>
                 </a:solidFill>
               </a:rPr>
-              <a:t>Big picture: the algorithm scores pairs (HH-DD, Location) based on whether other locations experience a similar disturbance at the same time. This lets us track down local (rather than global) interferences such as storms, power outages, and other technical difficulties.</a:t>
-            </a:r>
-          </a:p>
-          <a:p>
-            <a:pPr marL="0" indent="0">
-              <a:buNone/>
-            </a:pPr>
+              <a:t>The Hilbert-Huang Transform is an emerging technology in Signal Processing, which decomposes datasets into bite-sized signals which encapsulate information about the time-varying behaviour of the data (phase and frequency)</a:t>
+            </a:r>
+          </a:p>
+          <a:p>
+            <a:r>
+              <a:rPr lang="en-CA" sz="1600" i="1" dirty="0">
+                <a:solidFill>
+                  <a:schemeClr val="tx1"/>
+                </a:solidFill>
+              </a:rPr>
+              <a:t>The Math: It functions by filtering data into nonlinear modes by applying a Hilbert transform and then averaging the envelopes. The signal is then separated into ‘Intrinsic Mode Functions’ which encode the instantaneous frequency and phase of the signal</a:t>
+            </a:r>
+          </a:p>
+          <a:p>
             <a:r>
               <a:rPr lang="en-CA" dirty="0">
                 <a:solidFill>
                   <a:schemeClr val="tx1"/>
                 </a:solidFill>
               </a:rPr>
-              <a:t>Factors in the scoring method:</a:t>
-            </a:r>
-          </a:p>
-          <a:p>
+              <a:t>This allows for aperiodic modes in the signal to be separated, which lets us remove noise and extract only the high frequency information which tells us where peaks, slumps, </a:t>
+            </a:r>
+            <a:r>
+              <a:rPr lang="en-CA" dirty="0" err="1">
+                <a:solidFill>
+                  <a:schemeClr val="tx1"/>
+                </a:solidFill>
+              </a:rPr>
+              <a:t>etc</a:t>
+            </a:r>
             <a:r>
               <a:rPr lang="en-CA" dirty="0">
                 <a:solidFill>
                   <a:schemeClr val="tx1"/>
                 </a:solidFill>
               </a:rPr>
-              <a:t>Correlation function between the two signals (Filtered by a HHT)</a:t>
+              <a:t> are</a:t>
             </a:r>
           </a:p>
           <a:p>
@@ -6753,17 +6763,33 @@
                   <a:schemeClr val="tx1"/>
                 </a:solidFill>
               </a:rPr>
-              <a:t>Maximum-norm between the moving (STFT) Fourier transform of two signals</a:t>
-            </a:r>
-          </a:p>
-          <a:p>
+              <a:t>Implemented with </a:t>
+            </a:r>
+            <a:r>
+              <a:rPr lang="en-CA" dirty="0" err="1">
+                <a:solidFill>
+                  <a:schemeClr val="tx1"/>
+                </a:solidFill>
+              </a:rPr>
+              <a:t>pyhht</a:t>
+            </a:r>
             <a:r>
               <a:rPr lang="en-CA" dirty="0">
                 <a:solidFill>
                   <a:schemeClr val="tx1"/>
                 </a:solidFill>
               </a:rPr>
-              <a:t>Physical distance (along Earth’s surface) between points at which signal is measured</a:t>
+              <a:t> in Python</a:t>
+            </a:r>
+          </a:p>
+          <a:p>
+            <a:r>
+              <a:rPr lang="en-CA" dirty="0">
+                <a:solidFill>
+                  <a:schemeClr val="tx1"/>
+                </a:solidFill>
+              </a:rPr>
+              <a:t>Used to filter out noise in our dataset so that we can compare locations of peaks and valleys in our dataset through cross-correlation</a:t>
             </a:r>
           </a:p>
         </p:txBody>
@@ -6771,7 +6797,7 @@
     </p:spTree>
     <p:extLst>
       <p:ext uri="{BB962C8B-B14F-4D97-AF65-F5344CB8AC3E}">
-        <p14:creationId xmlns:p14="http://schemas.microsoft.com/office/powerpoint/2010/main" val="3236633506"/>
+        <p14:creationId xmlns:p14="http://schemas.microsoft.com/office/powerpoint/2010/main" val="945956104"/>
       </p:ext>
     </p:extLst>
   </p:cSld>
@@ -6803,7 +6829,7 @@
           <p:cNvPr id="2" name="Title 1">
             <a:extLst>
               <a:ext uri="{FF2B5EF4-FFF2-40B4-BE49-F238E27FC236}">
-                <a16:creationId xmlns:a16="http://schemas.microsoft.com/office/drawing/2014/main" id="{71566E41-CA9D-4BD5-A115-B31AAABB4FEE}"/>
+                <a16:creationId xmlns:a16="http://schemas.microsoft.com/office/drawing/2014/main" id="{C2DDD9DF-7E58-49C0-AB15-21AF4761772C}"/>
               </a:ext>
             </a:extLst>
           </p:cNvPr>
@@ -6821,15 +6847,7 @@
           <a:p>
             <a:r>
               <a:rPr lang="en-CA" dirty="0"/>
-              <a:t>Hilbert-</a:t>
-            </a:r>
-            <a:r>
-              <a:rPr lang="en-CA" dirty="0" err="1"/>
-              <a:t>huang</a:t>
-            </a:r>
-            <a:r>
-              <a:rPr lang="en-CA" dirty="0"/>
-              <a:t> transform</a:t>
+              <a:t>Outlier detection algorithm </a:t>
             </a:r>
           </a:p>
         </p:txBody>
@@ -6839,7 +6857,7 @@
           <p:cNvPr id="3" name="Content Placeholder 2">
             <a:extLst>
               <a:ext uri="{FF2B5EF4-FFF2-40B4-BE49-F238E27FC236}">
-                <a16:creationId xmlns:a16="http://schemas.microsoft.com/office/drawing/2014/main" id="{A07A25D5-23AC-400D-A010-9B9A255ABC03}"/>
+                <a16:creationId xmlns:a16="http://schemas.microsoft.com/office/drawing/2014/main" id="{047210DD-D07D-4C7E-8071-3EBB89126E81}"/>
               </a:ext>
             </a:extLst>
           </p:cNvPr>
@@ -6853,27 +6871,33 @@
         <p:spPr/>
         <p:txBody>
           <a:bodyPr>
-            <a:normAutofit fontScale="85000" lnSpcReduction="10000"/>
+            <a:normAutofit fontScale="92500"/>
           </a:bodyPr>
           <a:lstStyle/>
           <a:p>
+            <a:pPr marL="0" indent="0">
+              <a:buNone/>
+            </a:pPr>
             <a:r>
               <a:rPr lang="en-CA" dirty="0">
                 <a:solidFill>
                   <a:schemeClr val="tx1"/>
                 </a:solidFill>
               </a:rPr>
-              <a:t>The Hilbert-Huang Transform is an emerging technology in Signal Processing, which decomposes datasets into bite-sized signals which encapsulate information about the time-varying behaviour of the data (phase and frequency)</a:t>
-            </a:r>
-          </a:p>
-          <a:p>
-            <a:r>
-              <a:rPr lang="en-CA" sz="1600" i="1" dirty="0">
+              <a:t>Big picture: the algorithm scores pairs (HH-DD, Location) based on whether other locations experience a similar disturbance at the same time. This lets us track down local (rather than global) interferences such as storms, power outages, and other technical difficulties.</a:t>
+            </a:r>
+          </a:p>
+          <a:p>
+            <a:pPr marL="0" indent="0">
+              <a:buNone/>
+            </a:pPr>
+            <a:r>
+              <a:rPr lang="en-CA" dirty="0">
                 <a:solidFill>
                   <a:schemeClr val="tx1"/>
                 </a:solidFill>
               </a:rPr>
-              <a:t>The Math: It functions by filtering data into nonlinear modes by applying a Hilbert transform and then averaging the envelopes. The signal is then separated into ‘Intrinsic Mode Functions’ which encode the instantaneous frequency and phase of the signal</a:t>
+              <a:t>Factors in the scoring method:</a:t>
             </a:r>
           </a:p>
           <a:p>
@@ -6883,59 +6907,27 @@
                   <a:schemeClr val="tx1"/>
                 </a:solidFill>
               </a:rPr>
-              <a:t>This allows for aperiodic modes in the signal to be separated, which lets us remove noise and extract only the high frequency information which tells us where peaks, slumps, </a:t>
-            </a:r>
-            <a:r>
-              <a:rPr lang="en-CA" dirty="0" err="1">
+              <a:t>Correlation function between the two signals (Filtered by a HHT)</a:t>
+            </a:r>
+          </a:p>
+          <a:p>
+            <a:r>
+              <a:rPr lang="en-CA" dirty="0">
                 <a:solidFill>
                   <a:schemeClr val="tx1"/>
                 </a:solidFill>
               </a:rPr>
-              <a:t>etc</a:t>
-            </a:r>
+              <a:t>Maximum-norm between the moving (STFT) Fourier transform of two signals</a:t>
+            </a:r>
+          </a:p>
+          <a:p>
             <a:r>
               <a:rPr lang="en-CA" dirty="0">
                 <a:solidFill>
                   <a:schemeClr val="tx1"/>
                 </a:solidFill>
               </a:rPr>
-              <a:t> are</a:t>
-            </a:r>
-          </a:p>
-          <a:p>
-            <a:r>
-              <a:rPr lang="en-CA" dirty="0">
-                <a:solidFill>
-                  <a:schemeClr val="tx1"/>
-                </a:solidFill>
-              </a:rPr>
-              <a:t>Implemented with </a:t>
-            </a:r>
-            <a:r>
-              <a:rPr lang="en-CA" dirty="0" err="1">
-                <a:solidFill>
-                  <a:schemeClr val="tx1"/>
-                </a:solidFill>
-              </a:rPr>
-              <a:t>pyhht</a:t>
-            </a:r>
-            <a:r>
-              <a:rPr lang="en-CA" dirty="0">
-                <a:solidFill>
-                  <a:schemeClr val="tx1"/>
-                </a:solidFill>
-              </a:rPr>
-              <a:t> in Python</a:t>
-            </a:r>
-          </a:p>
-          <a:p>
-            <a:r>
-              <a:rPr lang="en-CA" dirty="0">
-                <a:solidFill>
-                  <a:schemeClr val="tx1"/>
-                </a:solidFill>
-              </a:rPr>
-              <a:t>Used to filter out noise in our dataset so that we can compare locations of peaks and valleys in our dataset through cross-correlation</a:t>
+              <a:t>Physical distance (along Earth’s surface) between points at which signal is measured</a:t>
             </a:r>
           </a:p>
         </p:txBody>
@@ -6943,7 +6935,7 @@
     </p:spTree>
     <p:extLst>
       <p:ext uri="{BB962C8B-B14F-4D97-AF65-F5344CB8AC3E}">
-        <p14:creationId xmlns:p14="http://schemas.microsoft.com/office/powerpoint/2010/main" val="945956104"/>
+        <p14:creationId xmlns:p14="http://schemas.microsoft.com/office/powerpoint/2010/main" val="3236633506"/>
       </p:ext>
     </p:extLst>
   </p:cSld>

--- a/Geomagnetic_Presentation_Beans.pptx
+++ b/Geomagnetic_Presentation_Beans.pptx
@@ -8,17 +8,17 @@
     <p:sldId id="256" r:id="rId2"/>
     <p:sldId id="257" r:id="rId3"/>
     <p:sldId id="258" r:id="rId4"/>
-    <p:sldId id="264" r:id="rId5"/>
-    <p:sldId id="262" r:id="rId6"/>
-    <p:sldId id="259" r:id="rId7"/>
-    <p:sldId id="267" r:id="rId8"/>
+    <p:sldId id="270" r:id="rId5"/>
+    <p:sldId id="264" r:id="rId6"/>
+    <p:sldId id="262" r:id="rId7"/>
+    <p:sldId id="259" r:id="rId8"/>
     <p:sldId id="260" r:id="rId9"/>
     <p:sldId id="269" r:id="rId10"/>
     <p:sldId id="263" r:id="rId11"/>
     <p:sldId id="261" r:id="rId12"/>
-    <p:sldId id="266" r:id="rId13"/>
-    <p:sldId id="265" r:id="rId14"/>
-    <p:sldId id="268" r:id="rId15"/>
+    <p:sldId id="265" r:id="rId13"/>
+    <p:sldId id="268" r:id="rId14"/>
+    <p:sldId id="266" r:id="rId15"/>
   </p:sldIdLst>
   <p:sldSz cx="12192000" cy="6858000"/>
   <p:notesSz cx="6858000" cy="9144000"/>
@@ -5594,7 +5594,17 @@
                   <a:schemeClr val="tx1"/>
                 </a:solidFill>
               </a:rPr>
-              <a:t>The final plot is displayed in the window, and the user receives a prompt to open the csv file containing the results. </a:t>
+              <a:t>The final plot is displayed in the window, and the user receives a prompt to open the csv file containing the results.</a:t>
+            </a:r>
+          </a:p>
+          <a:p>
+            <a:r>
+              <a:rPr lang="en-CA" dirty="0">
+                <a:solidFill>
+                  <a:schemeClr val="tx1"/>
+                </a:solidFill>
+              </a:rPr>
+              <a:t>Market opportunities </a:t>
             </a:r>
           </a:p>
         </p:txBody>
@@ -5754,161 +5764,6 @@
           <p:cNvPr id="2" name="Title 1">
             <a:extLst>
               <a:ext uri="{FF2B5EF4-FFF2-40B4-BE49-F238E27FC236}">
-                <a16:creationId xmlns:a16="http://schemas.microsoft.com/office/drawing/2014/main" id="{696C0690-CB8B-43D2-8E07-F01056326179}"/>
-              </a:ext>
-            </a:extLst>
-          </p:cNvPr>
-          <p:cNvSpPr>
-            <a:spLocks noGrp="1"/>
-          </p:cNvSpPr>
-          <p:nvPr>
-            <p:ph type="title"/>
-          </p:nvPr>
-        </p:nvSpPr>
-        <p:spPr/>
-        <p:txBody>
-          <a:bodyPr/>
-          <a:lstStyle/>
-          <a:p>
-            <a:r>
-              <a:rPr lang="en-CA" dirty="0"/>
-              <a:t>Packages Used in Python</a:t>
-            </a:r>
-          </a:p>
-        </p:txBody>
-      </p:sp>
-      <p:sp>
-        <p:nvSpPr>
-          <p:cNvPr id="3" name="Content Placeholder 2">
-            <a:extLst>
-              <a:ext uri="{FF2B5EF4-FFF2-40B4-BE49-F238E27FC236}">
-                <a16:creationId xmlns:a16="http://schemas.microsoft.com/office/drawing/2014/main" id="{20368613-EDFC-4DCD-B779-FDA3069957B0}"/>
-              </a:ext>
-            </a:extLst>
-          </p:cNvPr>
-          <p:cNvSpPr>
-            <a:spLocks noGrp="1"/>
-          </p:cNvSpPr>
-          <p:nvPr>
-            <p:ph idx="1"/>
-          </p:nvPr>
-        </p:nvSpPr>
-        <p:spPr/>
-        <p:txBody>
-          <a:bodyPr/>
-          <a:lstStyle/>
-          <a:p>
-            <a:r>
-              <a:rPr lang="en-CA" dirty="0">
-                <a:solidFill>
-                  <a:schemeClr val="tx1"/>
-                </a:solidFill>
-              </a:rPr>
-              <a:t>Hilbert-Huang Transform: </a:t>
-            </a:r>
-            <a:r>
-              <a:rPr lang="en-CA" dirty="0" err="1">
-                <a:solidFill>
-                  <a:schemeClr val="tx1"/>
-                </a:solidFill>
-              </a:rPr>
-              <a:t>PyHHT</a:t>
-            </a:r>
-            <a:endParaRPr lang="en-CA" dirty="0">
-              <a:solidFill>
-                <a:schemeClr val="tx1"/>
-              </a:solidFill>
-            </a:endParaRPr>
-          </a:p>
-          <a:p>
-            <a:r>
-              <a:rPr lang="en-CA" dirty="0">
-                <a:solidFill>
-                  <a:schemeClr val="tx1"/>
-                </a:solidFill>
-              </a:rPr>
-              <a:t>Short-time Fourier Transform: SciPy</a:t>
-            </a:r>
-          </a:p>
-          <a:p>
-            <a:r>
-              <a:rPr lang="en-CA" dirty="0">
-                <a:solidFill>
-                  <a:schemeClr val="tx1"/>
-                </a:solidFill>
-              </a:rPr>
-              <a:t>Other: NumPy, </a:t>
-            </a:r>
-            <a:r>
-              <a:rPr lang="en-CA" dirty="0" err="1">
-                <a:solidFill>
-                  <a:schemeClr val="tx1"/>
-                </a:solidFill>
-              </a:rPr>
-              <a:t>MatPlotLib</a:t>
-            </a:r>
-            <a:r>
-              <a:rPr lang="en-CA" dirty="0">
-                <a:solidFill>
-                  <a:schemeClr val="tx1"/>
-                </a:solidFill>
-              </a:rPr>
-              <a:t>, </a:t>
-            </a:r>
-            <a:r>
-              <a:rPr lang="en-CA" dirty="0" err="1">
-                <a:solidFill>
-                  <a:schemeClr val="tx1"/>
-                </a:solidFill>
-              </a:rPr>
-              <a:t>TkInter</a:t>
-            </a:r>
-            <a:r>
-              <a:rPr lang="en-CA" dirty="0">
-                <a:solidFill>
-                  <a:schemeClr val="tx1"/>
-                </a:solidFill>
-              </a:rPr>
-              <a:t>, Progress</a:t>
-            </a:r>
-          </a:p>
-        </p:txBody>
-      </p:sp>
-    </p:spTree>
-    <p:extLst>
-      <p:ext uri="{BB962C8B-B14F-4D97-AF65-F5344CB8AC3E}">
-        <p14:creationId xmlns:p14="http://schemas.microsoft.com/office/powerpoint/2010/main" val="880884693"/>
-      </p:ext>
-    </p:extLst>
-  </p:cSld>
-  <p:clrMapOvr>
-    <a:masterClrMapping/>
-  </p:clrMapOvr>
-</p:sld>
-</file>
-
-<file path=ppt/slides/slide13.xml><?xml version="1.0" encoding="utf-8"?>
-<p:sld xmlns:a="http://schemas.openxmlformats.org/drawingml/2006/main" xmlns:r="http://schemas.openxmlformats.org/officeDocument/2006/relationships" xmlns:p="http://schemas.openxmlformats.org/presentationml/2006/main">
-  <p:cSld>
-    <p:spTree>
-      <p:nvGrpSpPr>
-        <p:cNvPr id="1" name=""/>
-        <p:cNvGrpSpPr/>
-        <p:nvPr/>
-      </p:nvGrpSpPr>
-      <p:grpSpPr>
-        <a:xfrm>
-          <a:off x="0" y="0"/>
-          <a:ext cx="0" cy="0"/>
-          <a:chOff x="0" y="0"/>
-          <a:chExt cx="0" cy="0"/>
-        </a:xfrm>
-      </p:grpSpPr>
-      <p:sp>
-        <p:nvSpPr>
-          <p:cNvPr id="2" name="Title 1">
-            <a:extLst>
-              <a:ext uri="{FF2B5EF4-FFF2-40B4-BE49-F238E27FC236}">
                 <a16:creationId xmlns:a16="http://schemas.microsoft.com/office/drawing/2014/main" id="{4EECBB04-6560-43BD-98FB-C185C5095A60}"/>
               </a:ext>
             </a:extLst>
@@ -6049,7 +5904,7 @@
 </p:sld>
 </file>
 
-<file path=ppt/slides/slide14.xml><?xml version="1.0" encoding="utf-8"?>
+<file path=ppt/slides/slide13.xml><?xml version="1.0" encoding="utf-8"?>
 <p:sld xmlns:a="http://schemas.openxmlformats.org/drawingml/2006/main" xmlns:r="http://schemas.openxmlformats.org/officeDocument/2006/relationships" xmlns:p="http://schemas.openxmlformats.org/presentationml/2006/main">
   <p:cSld>
     <p:spTree>
@@ -6214,6 +6069,161 @@
     <p:extLst>
       <p:ext uri="{BB962C8B-B14F-4D97-AF65-F5344CB8AC3E}">
         <p14:creationId xmlns:p14="http://schemas.microsoft.com/office/powerpoint/2010/main" val="1217580071"/>
+      </p:ext>
+    </p:extLst>
+  </p:cSld>
+  <p:clrMapOvr>
+    <a:masterClrMapping/>
+  </p:clrMapOvr>
+</p:sld>
+</file>
+
+<file path=ppt/slides/slide14.xml><?xml version="1.0" encoding="utf-8"?>
+<p:sld xmlns:a="http://schemas.openxmlformats.org/drawingml/2006/main" xmlns:r="http://schemas.openxmlformats.org/officeDocument/2006/relationships" xmlns:p="http://schemas.openxmlformats.org/presentationml/2006/main">
+  <p:cSld>
+    <p:spTree>
+      <p:nvGrpSpPr>
+        <p:cNvPr id="1" name=""/>
+        <p:cNvGrpSpPr/>
+        <p:nvPr/>
+      </p:nvGrpSpPr>
+      <p:grpSpPr>
+        <a:xfrm>
+          <a:off x="0" y="0"/>
+          <a:ext cx="0" cy="0"/>
+          <a:chOff x="0" y="0"/>
+          <a:chExt cx="0" cy="0"/>
+        </a:xfrm>
+      </p:grpSpPr>
+      <p:sp>
+        <p:nvSpPr>
+          <p:cNvPr id="2" name="Title 1">
+            <a:extLst>
+              <a:ext uri="{FF2B5EF4-FFF2-40B4-BE49-F238E27FC236}">
+                <a16:creationId xmlns:a16="http://schemas.microsoft.com/office/drawing/2014/main" id="{696C0690-CB8B-43D2-8E07-F01056326179}"/>
+              </a:ext>
+            </a:extLst>
+          </p:cNvPr>
+          <p:cNvSpPr>
+            <a:spLocks noGrp="1"/>
+          </p:cNvSpPr>
+          <p:nvPr>
+            <p:ph type="title"/>
+          </p:nvPr>
+        </p:nvSpPr>
+        <p:spPr/>
+        <p:txBody>
+          <a:bodyPr/>
+          <a:lstStyle/>
+          <a:p>
+            <a:r>
+              <a:rPr lang="en-CA" dirty="0"/>
+              <a:t>Packages Used in Python</a:t>
+            </a:r>
+          </a:p>
+        </p:txBody>
+      </p:sp>
+      <p:sp>
+        <p:nvSpPr>
+          <p:cNvPr id="3" name="Content Placeholder 2">
+            <a:extLst>
+              <a:ext uri="{FF2B5EF4-FFF2-40B4-BE49-F238E27FC236}">
+                <a16:creationId xmlns:a16="http://schemas.microsoft.com/office/drawing/2014/main" id="{20368613-EDFC-4DCD-B779-FDA3069957B0}"/>
+              </a:ext>
+            </a:extLst>
+          </p:cNvPr>
+          <p:cNvSpPr>
+            <a:spLocks noGrp="1"/>
+          </p:cNvSpPr>
+          <p:nvPr>
+            <p:ph idx="1"/>
+          </p:nvPr>
+        </p:nvSpPr>
+        <p:spPr/>
+        <p:txBody>
+          <a:bodyPr/>
+          <a:lstStyle/>
+          <a:p>
+            <a:r>
+              <a:rPr lang="en-CA" dirty="0">
+                <a:solidFill>
+                  <a:schemeClr val="tx1"/>
+                </a:solidFill>
+              </a:rPr>
+              <a:t>Hilbert-Huang Transform: </a:t>
+            </a:r>
+            <a:r>
+              <a:rPr lang="en-CA" dirty="0" err="1">
+                <a:solidFill>
+                  <a:schemeClr val="tx1"/>
+                </a:solidFill>
+              </a:rPr>
+              <a:t>PyHHT</a:t>
+            </a:r>
+            <a:endParaRPr lang="en-CA" dirty="0">
+              <a:solidFill>
+                <a:schemeClr val="tx1"/>
+              </a:solidFill>
+            </a:endParaRPr>
+          </a:p>
+          <a:p>
+            <a:r>
+              <a:rPr lang="en-CA" dirty="0">
+                <a:solidFill>
+                  <a:schemeClr val="tx1"/>
+                </a:solidFill>
+              </a:rPr>
+              <a:t>Short-time Fourier Transform: SciPy</a:t>
+            </a:r>
+          </a:p>
+          <a:p>
+            <a:r>
+              <a:rPr lang="en-CA" dirty="0">
+                <a:solidFill>
+                  <a:schemeClr val="tx1"/>
+                </a:solidFill>
+              </a:rPr>
+              <a:t>Other: NumPy, </a:t>
+            </a:r>
+            <a:r>
+              <a:rPr lang="en-CA" dirty="0" err="1">
+                <a:solidFill>
+                  <a:schemeClr val="tx1"/>
+                </a:solidFill>
+              </a:rPr>
+              <a:t>MatPlotLib</a:t>
+            </a:r>
+            <a:r>
+              <a:rPr lang="en-CA" dirty="0">
+                <a:solidFill>
+                  <a:schemeClr val="tx1"/>
+                </a:solidFill>
+              </a:rPr>
+              <a:t>, </a:t>
+            </a:r>
+            <a:r>
+              <a:rPr lang="en-CA" dirty="0" err="1">
+                <a:solidFill>
+                  <a:schemeClr val="tx1"/>
+                </a:solidFill>
+              </a:rPr>
+              <a:t>TkInter</a:t>
+            </a:r>
+            <a:r>
+              <a:rPr lang="en-CA" dirty="0">
+                <a:solidFill>
+                  <a:schemeClr val="tx1"/>
+                </a:solidFill>
+              </a:rPr>
+              <a:t>, Progress</a:t>
+            </a:r>
+          </a:p>
+        </p:txBody>
+      </p:sp>
+    </p:spTree>
+    <p:extLst>
+      <p:ext uri="{BB962C8B-B14F-4D97-AF65-F5344CB8AC3E}">
+        <p14:creationId xmlns:p14="http://schemas.microsoft.com/office/powerpoint/2010/main" val="880884693"/>
       </p:ext>
     </p:extLst>
   </p:cSld>
@@ -6599,7 +6609,7 @@
           <p:cNvPr id="2" name="Title 1">
             <a:extLst>
               <a:ext uri="{FF2B5EF4-FFF2-40B4-BE49-F238E27FC236}">
-                <a16:creationId xmlns:a16="http://schemas.microsoft.com/office/drawing/2014/main" id="{70745439-AFCE-41B4-ACB6-FBDE09CFF796}"/>
+                <a16:creationId xmlns:a16="http://schemas.microsoft.com/office/drawing/2014/main" id="{7EE5992C-CD15-4151-A982-819D7182BF9F}"/>
               </a:ext>
             </a:extLst>
           </p:cNvPr>
@@ -6607,17 +6617,186 @@
             <a:spLocks noGrp="1"/>
           </p:cNvSpPr>
           <p:nvPr>
-            <p:ph type="ctrTitle"/>
-          </p:nvPr>
-        </p:nvSpPr>
-        <p:spPr/>
+            <p:ph type="title"/>
+          </p:nvPr>
+        </p:nvSpPr>
+        <p:spPr>
+          <a:xfrm>
+            <a:off x="742883" y="4775746"/>
+            <a:ext cx="8534400" cy="1507067"/>
+          </a:xfrm>
+        </p:spPr>
         <p:txBody>
           <a:bodyPr/>
           <a:lstStyle/>
           <a:p>
             <a:r>
               <a:rPr lang="en-CA" dirty="0"/>
-              <a:t>The solution</a:t>
+              <a:t>Geomagnetic data </a:t>
+            </a:r>
+          </a:p>
+        </p:txBody>
+      </p:sp>
+      <p:pic>
+        <p:nvPicPr>
+          <p:cNvPr id="7" name="Content Placeholder 6" descr="A close up of a map&#10;&#10;Description automatically generated">
+            <a:extLst>
+              <a:ext uri="{FF2B5EF4-FFF2-40B4-BE49-F238E27FC236}">
+                <a16:creationId xmlns:a16="http://schemas.microsoft.com/office/drawing/2014/main" id="{2A716D72-ABF1-4A31-BC43-B4CB3B262177}"/>
+              </a:ext>
+            </a:extLst>
+          </p:cNvPr>
+          <p:cNvPicPr>
+            <a:picLocks noGrp="1" noChangeAspect="1"/>
+          </p:cNvPicPr>
+          <p:nvPr>
+            <p:ph idx="1"/>
+          </p:nvPr>
+        </p:nvPicPr>
+        <p:blipFill>
+          <a:blip r:embed="rId2">
+            <a:extLst>
+              <a:ext uri="{28A0092B-C50C-407E-A947-70E740481C1C}">
+                <a14:useLocalDpi xmlns:a14="http://schemas.microsoft.com/office/drawing/2010/main" val="0"/>
+              </a:ext>
+            </a:extLst>
+          </a:blip>
+          <a:stretch>
+            <a:fillRect/>
+          </a:stretch>
+        </p:blipFill>
+        <p:spPr>
+          <a:xfrm>
+            <a:off x="742883" y="856227"/>
+            <a:ext cx="5718787" cy="4101834"/>
+          </a:xfrm>
+        </p:spPr>
+      </p:pic>
+      <p:sp>
+        <p:nvSpPr>
+          <p:cNvPr id="9" name="TextBox 8">
+            <a:extLst>
+              <a:ext uri="{FF2B5EF4-FFF2-40B4-BE49-F238E27FC236}">
+                <a16:creationId xmlns:a16="http://schemas.microsoft.com/office/drawing/2014/main" id="{E071D15F-AF32-4A2F-AAD4-B2C025A9BA76}"/>
+              </a:ext>
+            </a:extLst>
+          </p:cNvPr>
+          <p:cNvSpPr txBox="1"/>
+          <p:nvPr/>
+        </p:nvSpPr>
+        <p:spPr>
+          <a:xfrm>
+            <a:off x="6821129" y="575187"/>
+            <a:ext cx="4417142" cy="5909310"/>
+          </a:xfrm>
+          <a:prstGeom prst="rect">
+            <a:avLst/>
+          </a:prstGeom>
+          <a:noFill/>
+        </p:spPr>
+        <p:txBody>
+          <a:bodyPr wrap="square" rtlCol="0">
+            <a:spAutoFit/>
+          </a:bodyPr>
+          <a:lstStyle/>
+          <a:p>
+            <a:pPr marL="285750" indent="-285750">
+              <a:buFont typeface="Arial" panose="020B0604020202020204" pitchFamily="34" charset="0"/>
+              <a:buChar char="•"/>
+            </a:pPr>
+            <a:endParaRPr lang="en-CA" dirty="0"/>
+          </a:p>
+          <a:p>
+            <a:pPr marL="285750" indent="-285750">
+              <a:buFont typeface="Arial" panose="020B0604020202020204" pitchFamily="34" charset="0"/>
+              <a:buChar char="•"/>
+            </a:pPr>
+            <a:endParaRPr lang="en-CA" dirty="0"/>
+          </a:p>
+          <a:p>
+            <a:pPr marL="285750" indent="-285750">
+              <a:buFont typeface="Arial" panose="020B0604020202020204" pitchFamily="34" charset="0"/>
+              <a:buChar char="•"/>
+            </a:pPr>
+            <a:endParaRPr lang="en-CA" dirty="0"/>
+          </a:p>
+          <a:p>
+            <a:pPr marL="285750" indent="-285750">
+              <a:buFont typeface="Arial" panose="020B0604020202020204" pitchFamily="34" charset="0"/>
+              <a:buChar char="•"/>
+            </a:pPr>
+            <a:endParaRPr lang="en-CA" dirty="0"/>
+          </a:p>
+          <a:p>
+            <a:pPr marL="285750" indent="-285750">
+              <a:buFont typeface="Arial" panose="020B0604020202020204" pitchFamily="34" charset="0"/>
+              <a:buChar char="•"/>
+            </a:pPr>
+            <a:r>
+              <a:rPr lang="en-CA" dirty="0"/>
+              <a:t>Geomagnetic data is measured in remote locations across Canada</a:t>
+            </a:r>
+          </a:p>
+          <a:p>
+            <a:endParaRPr lang="en-CA" dirty="0"/>
+          </a:p>
+          <a:p>
+            <a:pPr marL="285750" indent="-285750">
+              <a:buFont typeface="Arial" panose="020B0604020202020204" pitchFamily="34" charset="0"/>
+              <a:buChar char="•"/>
+            </a:pPr>
+            <a:r>
+              <a:rPr lang="en-CA" dirty="0"/>
+              <a:t>The goal of these devices is to detect solar storms and anomalies</a:t>
+            </a:r>
+          </a:p>
+          <a:p>
+            <a:endParaRPr lang="en-CA" dirty="0"/>
+          </a:p>
+          <a:p>
+            <a:pPr marL="285750" indent="-285750">
+              <a:buFont typeface="Arial" panose="020B0604020202020204" pitchFamily="34" charset="0"/>
+              <a:buChar char="•"/>
+            </a:pPr>
+            <a:r>
+              <a:rPr lang="en-CA" dirty="0"/>
+              <a:t>These anomalies can destroy powerlines and interfere with data transfer </a:t>
+            </a:r>
+          </a:p>
+          <a:p>
+            <a:pPr marL="285750" indent="-285750">
+              <a:buFont typeface="Arial" panose="020B0604020202020204" pitchFamily="34" charset="0"/>
+              <a:buChar char="•"/>
+            </a:pPr>
+            <a:endParaRPr lang="en-CA" dirty="0"/>
+          </a:p>
+          <a:p>
+            <a:pPr marL="285750" indent="-285750">
+              <a:buFont typeface="Arial" panose="020B0604020202020204" pitchFamily="34" charset="0"/>
+              <a:buChar char="•"/>
+            </a:pPr>
+            <a:r>
+              <a:rPr lang="en-CA" dirty="0"/>
+              <a:t>In 2003, there was a nation wide power outage caused solely by solar fluctuations </a:t>
+            </a:r>
+          </a:p>
+          <a:p>
+            <a:endParaRPr lang="en-CA" dirty="0"/>
+          </a:p>
+          <a:p>
+            <a:pPr marL="285750" indent="-285750">
+              <a:buFont typeface="Arial" panose="020B0604020202020204" pitchFamily="34" charset="0"/>
+              <a:buChar char="•"/>
+            </a:pPr>
+            <a:endParaRPr lang="en-CA" dirty="0"/>
+          </a:p>
+          <a:p>
+            <a:endParaRPr lang="en-CA" dirty="0"/>
+          </a:p>
+          <a:p>
+            <a:r>
+              <a:rPr lang="en-CA" dirty="0"/>
+              <a:t>   </a:t>
             </a:r>
           </a:p>
         </p:txBody>
@@ -6625,7 +6804,7 @@
     </p:spTree>
     <p:extLst>
       <p:ext uri="{BB962C8B-B14F-4D97-AF65-F5344CB8AC3E}">
-        <p14:creationId xmlns:p14="http://schemas.microsoft.com/office/powerpoint/2010/main" val="654740683"/>
+        <p14:creationId xmlns:p14="http://schemas.microsoft.com/office/powerpoint/2010/main" val="1766109281"/>
       </p:ext>
     </p:extLst>
   </p:cSld>
@@ -6657,7 +6836,7 @@
           <p:cNvPr id="2" name="Title 1">
             <a:extLst>
               <a:ext uri="{FF2B5EF4-FFF2-40B4-BE49-F238E27FC236}">
-                <a16:creationId xmlns:a16="http://schemas.microsoft.com/office/drawing/2014/main" id="{71566E41-CA9D-4BD5-A115-B31AAABB4FEE}"/>
+                <a16:creationId xmlns:a16="http://schemas.microsoft.com/office/drawing/2014/main" id="{70745439-AFCE-41B4-ACB6-FBDE09CFF796}"/>
               </a:ext>
             </a:extLst>
           </p:cNvPr>
@@ -6665,7 +6844,7 @@
             <a:spLocks noGrp="1"/>
           </p:cNvSpPr>
           <p:nvPr>
-            <p:ph type="title"/>
+            <p:ph type="ctrTitle"/>
           </p:nvPr>
         </p:nvSpPr>
         <p:spPr/>
@@ -6675,121 +6854,7 @@
           <a:p>
             <a:r>
               <a:rPr lang="en-CA" dirty="0"/>
-              <a:t>Hilbert-</a:t>
-            </a:r>
-            <a:r>
-              <a:rPr lang="en-CA" dirty="0" err="1"/>
-              <a:t>huang</a:t>
-            </a:r>
-            <a:r>
-              <a:rPr lang="en-CA" dirty="0"/>
-              <a:t> transform</a:t>
-            </a:r>
-          </a:p>
-        </p:txBody>
-      </p:sp>
-      <p:sp>
-        <p:nvSpPr>
-          <p:cNvPr id="3" name="Content Placeholder 2">
-            <a:extLst>
-              <a:ext uri="{FF2B5EF4-FFF2-40B4-BE49-F238E27FC236}">
-                <a16:creationId xmlns:a16="http://schemas.microsoft.com/office/drawing/2014/main" id="{A07A25D5-23AC-400D-A010-9B9A255ABC03}"/>
-              </a:ext>
-            </a:extLst>
-          </p:cNvPr>
-          <p:cNvSpPr>
-            <a:spLocks noGrp="1"/>
-          </p:cNvSpPr>
-          <p:nvPr>
-            <p:ph idx="1"/>
-          </p:nvPr>
-        </p:nvSpPr>
-        <p:spPr/>
-        <p:txBody>
-          <a:bodyPr>
-            <a:normAutofit fontScale="85000" lnSpcReduction="10000"/>
-          </a:bodyPr>
-          <a:lstStyle/>
-          <a:p>
-            <a:r>
-              <a:rPr lang="en-CA" dirty="0">
-                <a:solidFill>
-                  <a:schemeClr val="tx1"/>
-                </a:solidFill>
-              </a:rPr>
-              <a:t>The Hilbert-Huang Transform is an emerging technology in Signal Processing, which decomposes datasets into bite-sized signals which encapsulate information about the time-varying behaviour of the data (phase and frequency)</a:t>
-            </a:r>
-          </a:p>
-          <a:p>
-            <a:r>
-              <a:rPr lang="en-CA" sz="1600" i="1" dirty="0">
-                <a:solidFill>
-                  <a:schemeClr val="tx1"/>
-                </a:solidFill>
-              </a:rPr>
-              <a:t>The Math: It functions by filtering data into nonlinear modes by applying a Hilbert transform and then averaging the envelopes. The signal is then separated into ‘Intrinsic Mode Functions’ which encode the instantaneous frequency and phase of the signal</a:t>
-            </a:r>
-          </a:p>
-          <a:p>
-            <a:r>
-              <a:rPr lang="en-CA" dirty="0">
-                <a:solidFill>
-                  <a:schemeClr val="tx1"/>
-                </a:solidFill>
-              </a:rPr>
-              <a:t>This allows for aperiodic modes in the signal to be separated, which lets us remove noise and extract only the high frequency information which tells us where peaks, slumps, </a:t>
-            </a:r>
-            <a:r>
-              <a:rPr lang="en-CA" dirty="0" err="1">
-                <a:solidFill>
-                  <a:schemeClr val="tx1"/>
-                </a:solidFill>
-              </a:rPr>
-              <a:t>etc</a:t>
-            </a:r>
-            <a:r>
-              <a:rPr lang="en-CA" dirty="0">
-                <a:solidFill>
-                  <a:schemeClr val="tx1"/>
-                </a:solidFill>
-              </a:rPr>
-              <a:t> are</a:t>
-            </a:r>
-          </a:p>
-          <a:p>
-            <a:r>
-              <a:rPr lang="en-CA" dirty="0">
-                <a:solidFill>
-                  <a:schemeClr val="tx1"/>
-                </a:solidFill>
-              </a:rPr>
-              <a:t>Implemented with </a:t>
-            </a:r>
-            <a:r>
-              <a:rPr lang="en-CA" dirty="0" err="1">
-                <a:solidFill>
-                  <a:schemeClr val="tx1"/>
-                </a:solidFill>
-              </a:rPr>
-              <a:t>pyhht</a:t>
-            </a:r>
-            <a:r>
-              <a:rPr lang="en-CA" dirty="0">
-                <a:solidFill>
-                  <a:schemeClr val="tx1"/>
-                </a:solidFill>
-              </a:rPr>
-              <a:t> in Python</a:t>
-            </a:r>
-          </a:p>
-          <a:p>
-            <a:r>
-              <a:rPr lang="en-CA" dirty="0">
-                <a:solidFill>
-                  <a:schemeClr val="tx1"/>
-                </a:solidFill>
-              </a:rPr>
-              <a:t>Used to filter out noise in our dataset so that we can compare locations of peaks and valleys in our dataset through cross-correlation</a:t>
+              <a:t>The solution</a:t>
             </a:r>
           </a:p>
         </p:txBody>
@@ -6797,7 +6862,7 @@
     </p:spTree>
     <p:extLst>
       <p:ext uri="{BB962C8B-B14F-4D97-AF65-F5344CB8AC3E}">
-        <p14:creationId xmlns:p14="http://schemas.microsoft.com/office/powerpoint/2010/main" val="945956104"/>
+        <p14:creationId xmlns:p14="http://schemas.microsoft.com/office/powerpoint/2010/main" val="654740683"/>
       </p:ext>
     </p:extLst>
   </p:cSld>
@@ -6829,144 +6894,6 @@
           <p:cNvPr id="2" name="Title 1">
             <a:extLst>
               <a:ext uri="{FF2B5EF4-FFF2-40B4-BE49-F238E27FC236}">
-                <a16:creationId xmlns:a16="http://schemas.microsoft.com/office/drawing/2014/main" id="{C2DDD9DF-7E58-49C0-AB15-21AF4761772C}"/>
-              </a:ext>
-            </a:extLst>
-          </p:cNvPr>
-          <p:cNvSpPr>
-            <a:spLocks noGrp="1"/>
-          </p:cNvSpPr>
-          <p:nvPr>
-            <p:ph type="title"/>
-          </p:nvPr>
-        </p:nvSpPr>
-        <p:spPr/>
-        <p:txBody>
-          <a:bodyPr/>
-          <a:lstStyle/>
-          <a:p>
-            <a:r>
-              <a:rPr lang="en-CA" dirty="0"/>
-              <a:t>Outlier detection algorithm </a:t>
-            </a:r>
-          </a:p>
-        </p:txBody>
-      </p:sp>
-      <p:sp>
-        <p:nvSpPr>
-          <p:cNvPr id="3" name="Content Placeholder 2">
-            <a:extLst>
-              <a:ext uri="{FF2B5EF4-FFF2-40B4-BE49-F238E27FC236}">
-                <a16:creationId xmlns:a16="http://schemas.microsoft.com/office/drawing/2014/main" id="{047210DD-D07D-4C7E-8071-3EBB89126E81}"/>
-              </a:ext>
-            </a:extLst>
-          </p:cNvPr>
-          <p:cNvSpPr>
-            <a:spLocks noGrp="1"/>
-          </p:cNvSpPr>
-          <p:nvPr>
-            <p:ph idx="1"/>
-          </p:nvPr>
-        </p:nvSpPr>
-        <p:spPr/>
-        <p:txBody>
-          <a:bodyPr>
-            <a:normAutofit fontScale="92500"/>
-          </a:bodyPr>
-          <a:lstStyle/>
-          <a:p>
-            <a:pPr marL="0" indent="0">
-              <a:buNone/>
-            </a:pPr>
-            <a:r>
-              <a:rPr lang="en-CA" dirty="0">
-                <a:solidFill>
-                  <a:schemeClr val="tx1"/>
-                </a:solidFill>
-              </a:rPr>
-              <a:t>Big picture: the algorithm scores pairs (HH-DD, Location) based on whether other locations experience a similar disturbance at the same time. This lets us track down local (rather than global) interferences such as storms, power outages, and other technical difficulties.</a:t>
-            </a:r>
-          </a:p>
-          <a:p>
-            <a:pPr marL="0" indent="0">
-              <a:buNone/>
-            </a:pPr>
-            <a:r>
-              <a:rPr lang="en-CA" dirty="0">
-                <a:solidFill>
-                  <a:schemeClr val="tx1"/>
-                </a:solidFill>
-              </a:rPr>
-              <a:t>Factors in the scoring method:</a:t>
-            </a:r>
-          </a:p>
-          <a:p>
-            <a:r>
-              <a:rPr lang="en-CA" dirty="0">
-                <a:solidFill>
-                  <a:schemeClr val="tx1"/>
-                </a:solidFill>
-              </a:rPr>
-              <a:t>Correlation function between the two signals (Filtered by a HHT)</a:t>
-            </a:r>
-          </a:p>
-          <a:p>
-            <a:r>
-              <a:rPr lang="en-CA" dirty="0">
-                <a:solidFill>
-                  <a:schemeClr val="tx1"/>
-                </a:solidFill>
-              </a:rPr>
-              <a:t>Maximum-norm between the moving (STFT) Fourier transform of two signals</a:t>
-            </a:r>
-          </a:p>
-          <a:p>
-            <a:r>
-              <a:rPr lang="en-CA" dirty="0">
-                <a:solidFill>
-                  <a:schemeClr val="tx1"/>
-                </a:solidFill>
-              </a:rPr>
-              <a:t>Physical distance (along Earth’s surface) between points at which signal is measured</a:t>
-            </a:r>
-          </a:p>
-        </p:txBody>
-      </p:sp>
-    </p:spTree>
-    <p:extLst>
-      <p:ext uri="{BB962C8B-B14F-4D97-AF65-F5344CB8AC3E}">
-        <p14:creationId xmlns:p14="http://schemas.microsoft.com/office/powerpoint/2010/main" val="3236633506"/>
-      </p:ext>
-    </p:extLst>
-  </p:cSld>
-  <p:clrMapOvr>
-    <a:masterClrMapping/>
-  </p:clrMapOvr>
-</p:sld>
-</file>
-
-<file path=ppt/slides/slide7.xml><?xml version="1.0" encoding="utf-8"?>
-<p:sld xmlns:a="http://schemas.openxmlformats.org/drawingml/2006/main" xmlns:r="http://schemas.openxmlformats.org/officeDocument/2006/relationships" xmlns:p="http://schemas.openxmlformats.org/presentationml/2006/main">
-  <p:cSld>
-    <p:spTree>
-      <p:nvGrpSpPr>
-        <p:cNvPr id="1" name=""/>
-        <p:cNvGrpSpPr/>
-        <p:nvPr/>
-      </p:nvGrpSpPr>
-      <p:grpSpPr>
-        <a:xfrm>
-          <a:off x="0" y="0"/>
-          <a:ext cx="0" cy="0"/>
-          <a:chOff x="0" y="0"/>
-          <a:chExt cx="0" cy="0"/>
-        </a:xfrm>
-      </p:grpSpPr>
-      <p:sp>
-        <p:nvSpPr>
-          <p:cNvPr id="2" name="Title 1">
-            <a:extLst>
-              <a:ext uri="{FF2B5EF4-FFF2-40B4-BE49-F238E27FC236}">
                 <a16:creationId xmlns:a16="http://schemas.microsoft.com/office/drawing/2014/main" id="{71566E41-CA9D-4BD5-A115-B31AAABB4FEE}"/>
               </a:ext>
             </a:extLst>
@@ -6978,37 +6905,81 @@
             <p:ph type="title"/>
           </p:nvPr>
         </p:nvSpPr>
+        <p:spPr/>
+        <p:txBody>
+          <a:bodyPr/>
+          <a:lstStyle/>
+          <a:p>
+            <a:r>
+              <a:rPr lang="en-CA" dirty="0"/>
+              <a:t>Hilbert-</a:t>
+            </a:r>
+            <a:r>
+              <a:rPr lang="en-CA" dirty="0" err="1"/>
+              <a:t>huang</a:t>
+            </a:r>
+            <a:r>
+              <a:rPr lang="en-CA" dirty="0"/>
+              <a:t> transform</a:t>
+            </a:r>
+          </a:p>
+        </p:txBody>
+      </p:sp>
+      <p:sp>
+        <p:nvSpPr>
+          <p:cNvPr id="3" name="Content Placeholder 2">
+            <a:extLst>
+              <a:ext uri="{FF2B5EF4-FFF2-40B4-BE49-F238E27FC236}">
+                <a16:creationId xmlns:a16="http://schemas.microsoft.com/office/drawing/2014/main" id="{A07A25D5-23AC-400D-A010-9B9A255ABC03}"/>
+              </a:ext>
+            </a:extLst>
+          </p:cNvPr>
+          <p:cNvSpPr>
+            <a:spLocks noGrp="1"/>
+          </p:cNvSpPr>
+          <p:nvPr>
+            <p:ph idx="1"/>
+          </p:nvPr>
+        </p:nvSpPr>
         <p:spPr>
           <a:xfrm>
-            <a:off x="2521400" y="5233952"/>
-            <a:ext cx="8534400" cy="1507067"/>
+            <a:off x="684212" y="685800"/>
+            <a:ext cx="6277027" cy="3615267"/>
           </a:xfrm>
         </p:spPr>
         <p:txBody>
-          <a:bodyPr/>
-          <a:lstStyle/>
-          <a:p>
-            <a:r>
-              <a:rPr lang="en-CA" dirty="0"/>
-              <a:t>Hilbert-</a:t>
-            </a:r>
-            <a:r>
-              <a:rPr lang="en-CA" dirty="0" err="1"/>
-              <a:t>huang</a:t>
-            </a:r>
-            <a:r>
-              <a:rPr lang="en-CA" dirty="0"/>
-              <a:t> transform</a:t>
+          <a:bodyPr>
+            <a:normAutofit/>
+          </a:bodyPr>
+          <a:lstStyle/>
+          <a:p>
+            <a:r>
+              <a:rPr lang="en-CA" dirty="0">
+                <a:solidFill>
+                  <a:schemeClr val="tx1"/>
+                </a:solidFill>
+              </a:rPr>
+              <a:t>The Hilbert-Huang Transform is an emerging technology in Signal Processing, which decomposes datasets into bite-sized signals which encapsulate information about the time-varying behaviour of the data (phase and frequency)</a:t>
+            </a:r>
+          </a:p>
+          <a:p>
+            <a:r>
+              <a:rPr lang="en-CA" dirty="0">
+                <a:solidFill>
+                  <a:schemeClr val="tx1"/>
+                </a:solidFill>
+              </a:rPr>
+              <a:t>Used to filter out noise in our dataset so that we can compare locations of peaks and valleys in our dataset through cross-correlation</a:t>
             </a:r>
           </a:p>
         </p:txBody>
       </p:sp>
       <p:pic>
         <p:nvPicPr>
-          <p:cNvPr id="7" name="Graphic 6" descr="Statistics">
+          <p:cNvPr id="8" name="Graphic 7" descr="Statistics">
             <a:extLst>
               <a:ext uri="{FF2B5EF4-FFF2-40B4-BE49-F238E27FC236}">
-                <a16:creationId xmlns:a16="http://schemas.microsoft.com/office/drawing/2014/main" id="{5602089D-C627-45CF-AF24-5B03F614DAF5}"/>
+                <a16:creationId xmlns:a16="http://schemas.microsoft.com/office/drawing/2014/main" id="{54E3F51D-04A5-4AF7-AB35-249677E07900}"/>
               </a:ext>
             </a:extLst>
           </p:cNvPr>
@@ -7034,55 +7005,176 @@
         </p:blipFill>
         <p:spPr>
           <a:xfrm>
-            <a:off x="1173828" y="1730229"/>
-            <a:ext cx="2330741" cy="2330741"/>
+            <a:off x="8634696" y="149805"/>
+            <a:ext cx="1653786" cy="1653786"/>
           </a:xfrm>
           <a:prstGeom prst="rect">
             <a:avLst/>
           </a:prstGeom>
         </p:spPr>
       </p:pic>
-      <p:sp>
-        <p:nvSpPr>
-          <p:cNvPr id="8" name="TextBox 7">
+      <p:pic>
+        <p:nvPicPr>
+          <p:cNvPr id="10" name="Graphic 9" descr="Statistics">
             <a:extLst>
               <a:ext uri="{FF2B5EF4-FFF2-40B4-BE49-F238E27FC236}">
-                <a16:creationId xmlns:a16="http://schemas.microsoft.com/office/drawing/2014/main" id="{8755CAA5-21A0-40F2-A702-C73996A8ED27}"/>
+                <a16:creationId xmlns:a16="http://schemas.microsoft.com/office/drawing/2014/main" id="{F36AB269-D3AA-4ACB-AFC8-3B10E58F3E4A}"/>
               </a:ext>
             </a:extLst>
           </p:cNvPr>
-          <p:cNvSpPr txBox="1"/>
+          <p:cNvPicPr>
+            <a:picLocks noChangeAspect="1"/>
+          </p:cNvPicPr>
           <p:nvPr/>
-        </p:nvSpPr>
+        </p:nvPicPr>
+        <p:blipFill>
+          <a:blip r:embed="rId2">
+            <a:extLst>
+              <a:ext uri="{28A0092B-C50C-407E-A947-70E740481C1C}">
+                <a14:useLocalDpi xmlns:a14="http://schemas.microsoft.com/office/drawing/2010/main" val="0"/>
+              </a:ext>
+              <a:ext uri="{96DAC541-7B7A-43D3-8B79-37D633B846F1}">
+                <asvg:svgBlip xmlns:asvg="http://schemas.microsoft.com/office/drawing/2016/SVG/main" r:embed="rId3"/>
+              </a:ext>
+            </a:extLst>
+          </a:blip>
+          <a:stretch>
+            <a:fillRect/>
+          </a:stretch>
+        </p:blipFill>
         <p:spPr>
           <a:xfrm>
-            <a:off x="1915844" y="3845748"/>
-            <a:ext cx="846707" cy="369332"/>
+            <a:off x="9307977" y="2941320"/>
+            <a:ext cx="1653786" cy="1653786"/>
           </a:xfrm>
           <a:prstGeom prst="rect">
             <a:avLst/>
           </a:prstGeom>
-          <a:noFill/>
         </p:spPr>
-        <p:txBody>
-          <a:bodyPr wrap="none" rtlCol="0">
-            <a:spAutoFit/>
-          </a:bodyPr>
-          <a:lstStyle/>
-          <a:p>
-            <a:r>
-              <a:rPr lang="en-CA" dirty="0"/>
-              <a:t>Signal</a:t>
-            </a:r>
-          </a:p>
-        </p:txBody>
-      </p:sp>
-      <p:sp>
-        <p:nvSpPr>
-          <p:cNvPr id="11" name="Arrow: Right 10">
+      </p:pic>
+      <p:pic>
+        <p:nvPicPr>
+          <p:cNvPr id="11" name="Graphic 10" descr="Statistics">
             <a:extLst>
               <a:ext uri="{FF2B5EF4-FFF2-40B4-BE49-F238E27FC236}">
-                <a16:creationId xmlns:a16="http://schemas.microsoft.com/office/drawing/2014/main" id="{CFD014DC-63AB-4A10-B45D-81C7553261E2}"/>
+                <a16:creationId xmlns:a16="http://schemas.microsoft.com/office/drawing/2014/main" id="{E3DC27F4-1292-4AE9-A612-89367B50F9A2}"/>
+              </a:ext>
+            </a:extLst>
+          </p:cNvPr>
+          <p:cNvPicPr>
+            <a:picLocks noChangeAspect="1"/>
+          </p:cNvPicPr>
+          <p:nvPr/>
+        </p:nvPicPr>
+        <p:blipFill>
+          <a:blip r:embed="rId2">
+            <a:extLst>
+              <a:ext uri="{28A0092B-C50C-407E-A947-70E740481C1C}">
+                <a14:useLocalDpi xmlns:a14="http://schemas.microsoft.com/office/drawing/2010/main" val="0"/>
+              </a:ext>
+              <a:ext uri="{96DAC541-7B7A-43D3-8B79-37D633B846F1}">
+                <asvg:svgBlip xmlns:asvg="http://schemas.microsoft.com/office/drawing/2016/SVG/main" r:embed="rId3"/>
+              </a:ext>
+            </a:extLst>
+          </a:blip>
+          <a:stretch>
+            <a:fillRect/>
+          </a:stretch>
+        </p:blipFill>
+        <p:spPr>
+          <a:xfrm>
+            <a:off x="7989038" y="2941320"/>
+            <a:ext cx="1653786" cy="1653786"/>
+          </a:xfrm>
+          <a:prstGeom prst="rect">
+            <a:avLst/>
+          </a:prstGeom>
+        </p:spPr>
+      </p:pic>
+      <p:pic>
+        <p:nvPicPr>
+          <p:cNvPr id="12" name="Graphic 11" descr="Statistics">
+            <a:extLst>
+              <a:ext uri="{FF2B5EF4-FFF2-40B4-BE49-F238E27FC236}">
+                <a16:creationId xmlns:a16="http://schemas.microsoft.com/office/drawing/2014/main" id="{EB0F0447-883A-48BB-8CA1-287930BCE05D}"/>
+              </a:ext>
+            </a:extLst>
+          </p:cNvPr>
+          <p:cNvPicPr>
+            <a:picLocks noChangeAspect="1"/>
+          </p:cNvPicPr>
+          <p:nvPr/>
+        </p:nvPicPr>
+        <p:blipFill>
+          <a:blip r:embed="rId2">
+            <a:extLst>
+              <a:ext uri="{28A0092B-C50C-407E-A947-70E740481C1C}">
+                <a14:useLocalDpi xmlns:a14="http://schemas.microsoft.com/office/drawing/2010/main" val="0"/>
+              </a:ext>
+              <a:ext uri="{96DAC541-7B7A-43D3-8B79-37D633B846F1}">
+                <asvg:svgBlip xmlns:asvg="http://schemas.microsoft.com/office/drawing/2016/SVG/main" r:embed="rId3"/>
+              </a:ext>
+            </a:extLst>
+          </a:blip>
+          <a:stretch>
+            <a:fillRect/>
+          </a:stretch>
+        </p:blipFill>
+        <p:spPr>
+          <a:xfrm>
+            <a:off x="9307977" y="4240160"/>
+            <a:ext cx="1653786" cy="1653786"/>
+          </a:xfrm>
+          <a:prstGeom prst="rect">
+            <a:avLst/>
+          </a:prstGeom>
+        </p:spPr>
+      </p:pic>
+      <p:pic>
+        <p:nvPicPr>
+          <p:cNvPr id="13" name="Graphic 12" descr="Statistics">
+            <a:extLst>
+              <a:ext uri="{FF2B5EF4-FFF2-40B4-BE49-F238E27FC236}">
+                <a16:creationId xmlns:a16="http://schemas.microsoft.com/office/drawing/2014/main" id="{65D31044-8D48-4AF8-813D-D5270F453AC0}"/>
+              </a:ext>
+            </a:extLst>
+          </p:cNvPr>
+          <p:cNvPicPr>
+            <a:picLocks noChangeAspect="1"/>
+          </p:cNvPicPr>
+          <p:nvPr/>
+        </p:nvPicPr>
+        <p:blipFill>
+          <a:blip r:embed="rId2">
+            <a:extLst>
+              <a:ext uri="{28A0092B-C50C-407E-A947-70E740481C1C}">
+                <a14:useLocalDpi xmlns:a14="http://schemas.microsoft.com/office/drawing/2010/main" val="0"/>
+              </a:ext>
+              <a:ext uri="{96DAC541-7B7A-43D3-8B79-37D633B846F1}">
+                <asvg:svgBlip xmlns:asvg="http://schemas.microsoft.com/office/drawing/2016/SVG/main" r:embed="rId3"/>
+              </a:ext>
+            </a:extLst>
+          </a:blip>
+          <a:stretch>
+            <a:fillRect/>
+          </a:stretch>
+        </p:blipFill>
+        <p:spPr>
+          <a:xfrm>
+            <a:off x="7989038" y="4240160"/>
+            <a:ext cx="1653786" cy="1653786"/>
+          </a:xfrm>
+          <a:prstGeom prst="rect">
+            <a:avLst/>
+          </a:prstGeom>
+        </p:spPr>
+      </p:pic>
+      <p:sp>
+        <p:nvSpPr>
+          <p:cNvPr id="14" name="Arrow: Right 13">
+            <a:extLst>
+              <a:ext uri="{FF2B5EF4-FFF2-40B4-BE49-F238E27FC236}">
+                <a16:creationId xmlns:a16="http://schemas.microsoft.com/office/drawing/2014/main" id="{0BA8EB34-729C-4057-A6AA-D148871E2BB1}"/>
               </a:ext>
             </a:extLst>
           </p:cNvPr>
@@ -7090,9 +7182,9 @@
           <p:nvPr/>
         </p:nvSpPr>
         <p:spPr>
-          <a:xfrm>
-            <a:off x="3696378" y="2597789"/>
-            <a:ext cx="2692866" cy="595619"/>
+          <a:xfrm rot="5400000">
+            <a:off x="8757688" y="1712862"/>
+            <a:ext cx="1447564" cy="1306800"/>
           </a:xfrm>
           <a:prstGeom prst="rightArrow">
             <a:avLst/>
@@ -7136,168 +7228,12 @@
           </a:p>
         </p:txBody>
       </p:sp>
-      <p:pic>
-        <p:nvPicPr>
-          <p:cNvPr id="12" name="Graphic 11" descr="Statistics">
-            <a:extLst>
-              <a:ext uri="{FF2B5EF4-FFF2-40B4-BE49-F238E27FC236}">
-                <a16:creationId xmlns:a16="http://schemas.microsoft.com/office/drawing/2014/main" id="{A7FECC6A-5217-410C-B6FD-468FED4B45C5}"/>
-              </a:ext>
-            </a:extLst>
-          </p:cNvPr>
-          <p:cNvPicPr>
-            <a:picLocks noChangeAspect="1"/>
-          </p:cNvPicPr>
-          <p:nvPr/>
-        </p:nvPicPr>
-        <p:blipFill>
-          <a:blip r:embed="rId2">
-            <a:extLst>
-              <a:ext uri="{28A0092B-C50C-407E-A947-70E740481C1C}">
-                <a14:useLocalDpi xmlns:a14="http://schemas.microsoft.com/office/drawing/2010/main" val="0"/>
-              </a:ext>
-              <a:ext uri="{96DAC541-7B7A-43D3-8B79-37D633B846F1}">
-                <asvg:svgBlip xmlns:asvg="http://schemas.microsoft.com/office/drawing/2016/SVG/main" r:embed="rId3"/>
-              </a:ext>
-            </a:extLst>
-          </a:blip>
-          <a:stretch>
-            <a:fillRect/>
-          </a:stretch>
-        </p:blipFill>
-        <p:spPr>
-          <a:xfrm>
-            <a:off x="6737671" y="1514757"/>
-            <a:ext cx="1589171" cy="1589171"/>
-          </a:xfrm>
-          <a:prstGeom prst="rect">
-            <a:avLst/>
-          </a:prstGeom>
-        </p:spPr>
-      </p:pic>
-      <p:pic>
-        <p:nvPicPr>
-          <p:cNvPr id="13" name="Graphic 12" descr="Statistics">
-            <a:extLst>
-              <a:ext uri="{FF2B5EF4-FFF2-40B4-BE49-F238E27FC236}">
-                <a16:creationId xmlns:a16="http://schemas.microsoft.com/office/drawing/2014/main" id="{1A7C9BFB-D3F5-4125-A36C-BF745BF9DFE8}"/>
-              </a:ext>
-            </a:extLst>
-          </p:cNvPr>
-          <p:cNvPicPr>
-            <a:picLocks noChangeAspect="1"/>
-          </p:cNvPicPr>
-          <p:nvPr/>
-        </p:nvPicPr>
-        <p:blipFill>
-          <a:blip r:embed="rId2">
-            <a:extLst>
-              <a:ext uri="{28A0092B-C50C-407E-A947-70E740481C1C}">
-                <a14:useLocalDpi xmlns:a14="http://schemas.microsoft.com/office/drawing/2010/main" val="0"/>
-              </a:ext>
-              <a:ext uri="{96DAC541-7B7A-43D3-8B79-37D633B846F1}">
-                <asvg:svgBlip xmlns:asvg="http://schemas.microsoft.com/office/drawing/2016/SVG/main" r:embed="rId3"/>
-              </a:ext>
-            </a:extLst>
-          </a:blip>
-          <a:stretch>
-            <a:fillRect/>
-          </a:stretch>
-        </p:blipFill>
-        <p:spPr>
-          <a:xfrm>
-            <a:off x="6737671" y="2866783"/>
-            <a:ext cx="1589171" cy="1589171"/>
-          </a:xfrm>
-          <a:prstGeom prst="rect">
-            <a:avLst/>
-          </a:prstGeom>
-        </p:spPr>
-      </p:pic>
-      <p:pic>
-        <p:nvPicPr>
-          <p:cNvPr id="14" name="Graphic 13" descr="Statistics">
-            <a:extLst>
-              <a:ext uri="{FF2B5EF4-FFF2-40B4-BE49-F238E27FC236}">
-                <a16:creationId xmlns:a16="http://schemas.microsoft.com/office/drawing/2014/main" id="{DE64BC92-CE89-4FE9-B60A-CD19E7397F04}"/>
-              </a:ext>
-            </a:extLst>
-          </p:cNvPr>
-          <p:cNvPicPr>
-            <a:picLocks noChangeAspect="1"/>
-          </p:cNvPicPr>
-          <p:nvPr/>
-        </p:nvPicPr>
-        <p:blipFill>
-          <a:blip r:embed="rId2">
-            <a:extLst>
-              <a:ext uri="{28A0092B-C50C-407E-A947-70E740481C1C}">
-                <a14:useLocalDpi xmlns:a14="http://schemas.microsoft.com/office/drawing/2010/main" val="0"/>
-              </a:ext>
-              <a:ext uri="{96DAC541-7B7A-43D3-8B79-37D633B846F1}">
-                <asvg:svgBlip xmlns:asvg="http://schemas.microsoft.com/office/drawing/2016/SVG/main" r:embed="rId3"/>
-              </a:ext>
-            </a:extLst>
-          </a:blip>
-          <a:stretch>
-            <a:fillRect/>
-          </a:stretch>
-        </p:blipFill>
-        <p:spPr>
-          <a:xfrm>
-            <a:off x="8326842" y="1514757"/>
-            <a:ext cx="1589171" cy="1589171"/>
-          </a:xfrm>
-          <a:prstGeom prst="rect">
-            <a:avLst/>
-          </a:prstGeom>
-        </p:spPr>
-      </p:pic>
-      <p:pic>
-        <p:nvPicPr>
-          <p:cNvPr id="15" name="Graphic 14" descr="Statistics">
-            <a:extLst>
-              <a:ext uri="{FF2B5EF4-FFF2-40B4-BE49-F238E27FC236}">
-                <a16:creationId xmlns:a16="http://schemas.microsoft.com/office/drawing/2014/main" id="{126028D9-9DD2-4C91-8E80-6ADBBC96D30A}"/>
-              </a:ext>
-            </a:extLst>
-          </p:cNvPr>
-          <p:cNvPicPr>
-            <a:picLocks noChangeAspect="1"/>
-          </p:cNvPicPr>
-          <p:nvPr/>
-        </p:nvPicPr>
-        <p:blipFill>
-          <a:blip r:embed="rId2">
-            <a:extLst>
-              <a:ext uri="{28A0092B-C50C-407E-A947-70E740481C1C}">
-                <a14:useLocalDpi xmlns:a14="http://schemas.microsoft.com/office/drawing/2010/main" val="0"/>
-              </a:ext>
-              <a:ext uri="{96DAC541-7B7A-43D3-8B79-37D633B846F1}">
-                <asvg:svgBlip xmlns:asvg="http://schemas.microsoft.com/office/drawing/2016/SVG/main" r:embed="rId3"/>
-              </a:ext>
-            </a:extLst>
-          </a:blip>
-          <a:stretch>
-            <a:fillRect/>
-          </a:stretch>
-        </p:blipFill>
-        <p:spPr>
-          <a:xfrm>
-            <a:off x="8326842" y="2866783"/>
-            <a:ext cx="1589171" cy="1589171"/>
-          </a:xfrm>
-          <a:prstGeom prst="rect">
-            <a:avLst/>
-          </a:prstGeom>
-        </p:spPr>
-      </p:pic>
       <p:sp>
         <p:nvSpPr>
           <p:cNvPr id="16" name="TextBox 15">
             <a:extLst>
               <a:ext uri="{FF2B5EF4-FFF2-40B4-BE49-F238E27FC236}">
-                <a16:creationId xmlns:a16="http://schemas.microsoft.com/office/drawing/2014/main" id="{7E1CE909-A298-4B96-8770-46753663D46E}"/>
+                <a16:creationId xmlns:a16="http://schemas.microsoft.com/office/drawing/2014/main" id="{7698E641-0467-4A10-AEB9-06F68F077D05}"/>
               </a:ext>
             </a:extLst>
           </p:cNvPr>
@@ -7306,7 +7242,42 @@
         </p:nvSpPr>
         <p:spPr>
           <a:xfrm>
-            <a:off x="6788600" y="4420923"/>
+            <a:off x="7944806" y="685800"/>
+            <a:ext cx="846707" cy="369332"/>
+          </a:xfrm>
+          <a:prstGeom prst="rect">
+            <a:avLst/>
+          </a:prstGeom>
+          <a:noFill/>
+        </p:spPr>
+        <p:txBody>
+          <a:bodyPr wrap="square" rtlCol="0">
+            <a:spAutoFit/>
+          </a:bodyPr>
+          <a:lstStyle/>
+          <a:p>
+            <a:r>
+              <a:rPr lang="en-CA" dirty="0"/>
+              <a:t>Signal</a:t>
+            </a:r>
+          </a:p>
+        </p:txBody>
+      </p:sp>
+      <p:sp>
+        <p:nvSpPr>
+          <p:cNvPr id="17" name="TextBox 16">
+            <a:extLst>
+              <a:ext uri="{FF2B5EF4-FFF2-40B4-BE49-F238E27FC236}">
+                <a16:creationId xmlns:a16="http://schemas.microsoft.com/office/drawing/2014/main" id="{F298DA6A-5F12-49E6-A773-0F5A57E42FC7}"/>
+              </a:ext>
+            </a:extLst>
+          </p:cNvPr>
+          <p:cNvSpPr txBox="1"/>
+          <p:nvPr/>
+        </p:nvSpPr>
+        <p:spPr>
+          <a:xfrm>
+            <a:off x="7989038" y="5709280"/>
             <a:ext cx="3076483" cy="369332"/>
           </a:xfrm>
           <a:prstGeom prst="rect">
@@ -7330,7 +7301,145 @@
     </p:spTree>
     <p:extLst>
       <p:ext uri="{BB962C8B-B14F-4D97-AF65-F5344CB8AC3E}">
-        <p14:creationId xmlns:p14="http://schemas.microsoft.com/office/powerpoint/2010/main" val="1246446566"/>
+        <p14:creationId xmlns:p14="http://schemas.microsoft.com/office/powerpoint/2010/main" val="945956104"/>
+      </p:ext>
+    </p:extLst>
+  </p:cSld>
+  <p:clrMapOvr>
+    <a:masterClrMapping/>
+  </p:clrMapOvr>
+</p:sld>
+</file>
+
+<file path=ppt/slides/slide7.xml><?xml version="1.0" encoding="utf-8"?>
+<p:sld xmlns:a="http://schemas.openxmlformats.org/drawingml/2006/main" xmlns:r="http://schemas.openxmlformats.org/officeDocument/2006/relationships" xmlns:p="http://schemas.openxmlformats.org/presentationml/2006/main">
+  <p:cSld>
+    <p:spTree>
+      <p:nvGrpSpPr>
+        <p:cNvPr id="1" name=""/>
+        <p:cNvGrpSpPr/>
+        <p:nvPr/>
+      </p:nvGrpSpPr>
+      <p:grpSpPr>
+        <a:xfrm>
+          <a:off x="0" y="0"/>
+          <a:ext cx="0" cy="0"/>
+          <a:chOff x="0" y="0"/>
+          <a:chExt cx="0" cy="0"/>
+        </a:xfrm>
+      </p:grpSpPr>
+      <p:sp>
+        <p:nvSpPr>
+          <p:cNvPr id="2" name="Title 1">
+            <a:extLst>
+              <a:ext uri="{FF2B5EF4-FFF2-40B4-BE49-F238E27FC236}">
+                <a16:creationId xmlns:a16="http://schemas.microsoft.com/office/drawing/2014/main" id="{C2DDD9DF-7E58-49C0-AB15-21AF4761772C}"/>
+              </a:ext>
+            </a:extLst>
+          </p:cNvPr>
+          <p:cNvSpPr>
+            <a:spLocks noGrp="1"/>
+          </p:cNvSpPr>
+          <p:nvPr>
+            <p:ph type="title"/>
+          </p:nvPr>
+        </p:nvSpPr>
+        <p:spPr/>
+        <p:txBody>
+          <a:bodyPr/>
+          <a:lstStyle/>
+          <a:p>
+            <a:r>
+              <a:rPr lang="en-CA" dirty="0"/>
+              <a:t>Outlier detection algorithm </a:t>
+            </a:r>
+          </a:p>
+        </p:txBody>
+      </p:sp>
+      <p:sp>
+        <p:nvSpPr>
+          <p:cNvPr id="3" name="Content Placeholder 2">
+            <a:extLst>
+              <a:ext uri="{FF2B5EF4-FFF2-40B4-BE49-F238E27FC236}">
+                <a16:creationId xmlns:a16="http://schemas.microsoft.com/office/drawing/2014/main" id="{047210DD-D07D-4C7E-8071-3EBB89126E81}"/>
+              </a:ext>
+            </a:extLst>
+          </p:cNvPr>
+          <p:cNvSpPr>
+            <a:spLocks noGrp="1"/>
+          </p:cNvSpPr>
+          <p:nvPr>
+            <p:ph idx="1"/>
+          </p:nvPr>
+        </p:nvSpPr>
+        <p:spPr/>
+        <p:txBody>
+          <a:bodyPr>
+            <a:normAutofit fontScale="92500"/>
+          </a:bodyPr>
+          <a:lstStyle/>
+          <a:p>
+            <a:pPr marL="0" indent="0">
+              <a:buNone/>
+            </a:pPr>
+            <a:r>
+              <a:rPr lang="en-CA" dirty="0">
+                <a:solidFill>
+                  <a:schemeClr val="tx1"/>
+                </a:solidFill>
+              </a:rPr>
+              <a:t>Big picture: the algorithm scores pairs (HH-DD, Location) based on whether other locations experience a similar disturbance at the same time. This lets us track down local (rather than global) interferences such as storms, power outages, and other technical difficulties.</a:t>
+            </a:r>
+          </a:p>
+          <a:p>
+            <a:pPr marL="0" indent="0">
+              <a:buNone/>
+            </a:pPr>
+            <a:r>
+              <a:rPr lang="en-CA" dirty="0">
+                <a:solidFill>
+                  <a:schemeClr val="tx1"/>
+                </a:solidFill>
+              </a:rPr>
+              <a:t>Factors in the scoring method:</a:t>
+            </a:r>
+          </a:p>
+          <a:p>
+            <a:r>
+              <a:rPr lang="en-CA" dirty="0">
+                <a:solidFill>
+                  <a:schemeClr val="tx1"/>
+                </a:solidFill>
+              </a:rPr>
+              <a:t>Correlation function between the two signals (Filtered by a HHT)</a:t>
+            </a:r>
+          </a:p>
+          <a:p>
+            <a:r>
+              <a:rPr lang="en-CA" dirty="0">
+                <a:solidFill>
+                  <a:schemeClr val="tx1"/>
+                </a:solidFill>
+              </a:rPr>
+              <a:t>Maximum-norm between the moving (STFT) Fourier transform of two signals</a:t>
+            </a:r>
+          </a:p>
+          <a:p>
+            <a:r>
+              <a:rPr lang="en-CA" dirty="0">
+                <a:solidFill>
+                  <a:schemeClr val="tx1"/>
+                </a:solidFill>
+              </a:rPr>
+              <a:t>Physical distance (along Earth’s surface) between points at which signal is measured</a:t>
+            </a:r>
+          </a:p>
+        </p:txBody>
+      </p:sp>
+    </p:spTree>
+    <p:extLst>
+      <p:ext uri="{BB962C8B-B14F-4D97-AF65-F5344CB8AC3E}">
+        <p14:creationId xmlns:p14="http://schemas.microsoft.com/office/powerpoint/2010/main" val="3236633506"/>
       </p:ext>
     </p:extLst>
   </p:cSld>
